--- a/pptx_tempalte_for_heb.pptx
+++ b/pptx_tempalte_for_heb.pptx
@@ -215,7 +215,7 @@
           <a:p>
             <a:fld id="{E7998B37-E892-D543-9650-B6A89C1296F6}" type="datetimeFigureOut">
               <a:rPr lang="en-IL" smtClean="0"/>
-              <a:t>31/10/2021</a:t>
+              <a:t>02/11/2021</a:t>
             </a:fld>
             <a:endParaRPr lang="en-IL"/>
           </a:p>
@@ -392,7 +392,7 @@
           <a:p>
             <a:fld id="{FDD5AD1A-A3D3-BC42-AD03-7C3A9910604D}" type="datetimeFigureOut">
               <a:rPr lang="en-IL" smtClean="0"/>
-              <a:t>31/10/2021</a:t>
+              <a:t>02/11/2021</a:t>
             </a:fld>
             <a:endParaRPr lang="en-IL"/>
           </a:p>
@@ -1421,7 +1421,7 @@
           <a:bodyPr/>
           <a:lstStyle>
             <a:lvl1pPr algn="r" rtl="1">
-              <a:defRPr/>
+              <a:defRPr sz="2200" b="1"/>
             </a:lvl1pPr>
           </a:lstStyle>
           <a:p>
@@ -1827,19 +1827,34 @@
           </a:bodyPr>
           <a:lstStyle>
             <a:lvl1pPr algn="r" rtl="1">
-              <a:defRPr sz="1400"/>
+              <a:defRPr sz="1400">
+                <a:latin typeface="Arial" panose="020B0604020202020204" pitchFamily="34" charset="0"/>
+                <a:cs typeface="Arial" panose="020B0604020202020204" pitchFamily="34" charset="0"/>
+              </a:defRPr>
             </a:lvl1pPr>
             <a:lvl2pPr>
-              <a:defRPr sz="1400"/>
+              <a:defRPr sz="1400">
+                <a:latin typeface="Arial" panose="020B0604020202020204" pitchFamily="34" charset="0"/>
+                <a:cs typeface="Arial" panose="020B0604020202020204" pitchFamily="34" charset="0"/>
+              </a:defRPr>
             </a:lvl2pPr>
             <a:lvl3pPr>
-              <a:defRPr sz="1400"/>
+              <a:defRPr sz="1400">
+                <a:latin typeface="Arial" panose="020B0604020202020204" pitchFamily="34" charset="0"/>
+                <a:cs typeface="Arial" panose="020B0604020202020204" pitchFamily="34" charset="0"/>
+              </a:defRPr>
             </a:lvl3pPr>
             <a:lvl4pPr>
-              <a:defRPr sz="1400"/>
+              <a:defRPr sz="1400">
+                <a:latin typeface="Arial" panose="020B0604020202020204" pitchFamily="34" charset="0"/>
+                <a:cs typeface="Arial" panose="020B0604020202020204" pitchFamily="34" charset="0"/>
+              </a:defRPr>
             </a:lvl4pPr>
             <a:lvl5pPr>
-              <a:defRPr sz="1400"/>
+              <a:defRPr sz="1400">
+                <a:latin typeface="Arial" panose="020B0604020202020204" pitchFamily="34" charset="0"/>
+                <a:cs typeface="Arial" panose="020B0604020202020204" pitchFamily="34" charset="0"/>
+              </a:defRPr>
             </a:lvl5pPr>
           </a:lstStyle>
           <a:p>
@@ -2255,19 +2270,34 @@
           </a:bodyPr>
           <a:lstStyle>
             <a:lvl1pPr algn="r" rtl="1">
-              <a:defRPr sz="1400"/>
+              <a:defRPr sz="1400" b="0" i="0">
+                <a:latin typeface="Arial" panose="020B0604020202020204" pitchFamily="34" charset="0"/>
+                <a:cs typeface="Arial" panose="020B0604020202020204" pitchFamily="34" charset="0"/>
+              </a:defRPr>
             </a:lvl1pPr>
             <a:lvl2pPr>
-              <a:defRPr sz="1400"/>
+              <a:defRPr sz="1400" b="0" i="0">
+                <a:latin typeface="Arial" panose="020B0604020202020204" pitchFamily="34" charset="0"/>
+                <a:cs typeface="Arial" panose="020B0604020202020204" pitchFamily="34" charset="0"/>
+              </a:defRPr>
             </a:lvl2pPr>
             <a:lvl3pPr>
-              <a:defRPr sz="1400"/>
+              <a:defRPr sz="1400" b="0" i="0">
+                <a:latin typeface="Arial" panose="020B0604020202020204" pitchFamily="34" charset="0"/>
+                <a:cs typeface="Arial" panose="020B0604020202020204" pitchFamily="34" charset="0"/>
+              </a:defRPr>
             </a:lvl3pPr>
             <a:lvl4pPr>
-              <a:defRPr sz="1400"/>
+              <a:defRPr sz="1400" b="0" i="0">
+                <a:latin typeface="Arial" panose="020B0604020202020204" pitchFamily="34" charset="0"/>
+                <a:cs typeface="Arial" panose="020B0604020202020204" pitchFamily="34" charset="0"/>
+              </a:defRPr>
             </a:lvl4pPr>
             <a:lvl5pPr>
-              <a:defRPr sz="1400"/>
+              <a:defRPr sz="1400" b="0" i="0">
+                <a:latin typeface="Arial" panose="020B0604020202020204" pitchFamily="34" charset="0"/>
+                <a:cs typeface="Arial" panose="020B0604020202020204" pitchFamily="34" charset="0"/>
+              </a:defRPr>
             </a:lvl5pPr>
           </a:lstStyle>
           <a:p>
@@ -2722,7 +2752,7 @@
           <a:bodyPr/>
           <a:lstStyle>
             <a:lvl1pPr algn="r" rtl="1">
-              <a:defRPr/>
+              <a:defRPr sz="2200" b="1"/>
             </a:lvl1pPr>
           </a:lstStyle>
           <a:p>
@@ -3217,7 +3247,7 @@
           <a:bodyPr/>
           <a:lstStyle>
             <a:lvl1pPr algn="r" rtl="1">
-              <a:defRPr/>
+              <a:defRPr sz="2200" b="1"/>
             </a:lvl1pPr>
           </a:lstStyle>
           <a:p>
@@ -3497,7 +3527,7 @@
           <a:p>
             <a:fld id="{DCF901EB-F9BC-564B-B97D-4101A6D72F07}" type="datetime1">
               <a:rPr lang="en-US" smtClean="0"/>
-              <a:t>10/31/21</a:t>
+              <a:t>11/2/21</a:t>
             </a:fld>
             <a:endParaRPr lang="en-IL"/>
           </a:p>
